--- a/ppts/CloseAi_이상헌_GPT.pptx
+++ b/ppts/CloseAi_이상헌_GPT.pptx
@@ -5,7 +5,7 @@
     <p:sldMasterId id="2147483648" r:id="rId1"/>
   </p:sldMasterIdLst>
   <p:notesMasterIdLst>
-    <p:notesMasterId r:id="rId26"/>
+    <p:notesMasterId r:id="rId27"/>
   </p:notesMasterIdLst>
   <p:sldIdLst>
     <p:sldId id="256" r:id="rId2"/>
@@ -28,10 +28,11 @@
     <p:sldId id="289" r:id="rId19"/>
     <p:sldId id="276" r:id="rId20"/>
     <p:sldId id="290" r:id="rId21"/>
-    <p:sldId id="277" r:id="rId22"/>
-    <p:sldId id="291" r:id="rId23"/>
-    <p:sldId id="279" r:id="rId24"/>
-    <p:sldId id="292" r:id="rId25"/>
+    <p:sldId id="293" r:id="rId22"/>
+    <p:sldId id="277" r:id="rId23"/>
+    <p:sldId id="291" r:id="rId24"/>
+    <p:sldId id="279" r:id="rId25"/>
+    <p:sldId id="292" r:id="rId26"/>
   </p:sldIdLst>
   <p:sldSz cx="12192000" cy="6858000"/>
   <p:notesSz cx="6858000" cy="9144000"/>
@@ -232,7 +233,7 @@
           <a:p>
             <a:fld id="{1D5616AF-0296-4CBF-9B1F-A90D5645FC53}" type="datetimeFigureOut">
               <a:rPr lang="ko-KR" altLang="en-US" smtClean="0"/>
-              <a:t>2024-05-29</a:t>
+              <a:t>2024-05-30</a:t>
             </a:fld>
             <a:endParaRPr lang="ko-KR" altLang="en-US"/>
           </a:p>
@@ -799,7 +800,7 @@
           <a:p>
             <a:fld id="{CCD3903D-E60D-48CB-8258-0E2E6594E192}" type="datetime1">
               <a:rPr lang="ko-KR" altLang="en-US" smtClean="0"/>
-              <a:t>2024-05-29</a:t>
+              <a:t>2024-05-30</a:t>
             </a:fld>
             <a:endParaRPr lang="ko-KR" altLang="en-US"/>
           </a:p>
@@ -973,7 +974,7 @@
           <a:p>
             <a:fld id="{2842B27D-4161-4043-9AA3-BD0B522F7870}" type="datetime1">
               <a:rPr lang="ko-KR" altLang="en-US" smtClean="0"/>
-              <a:t>2024-05-29</a:t>
+              <a:t>2024-05-30</a:t>
             </a:fld>
             <a:endParaRPr lang="ko-KR" altLang="en-US"/>
           </a:p>
@@ -1157,7 +1158,7 @@
           <a:p>
             <a:fld id="{E582F254-E8B6-422B-8B6C-1FF4CD013044}" type="datetime1">
               <a:rPr lang="ko-KR" altLang="en-US" smtClean="0"/>
-              <a:t>2024-05-29</a:t>
+              <a:t>2024-05-30</a:t>
             </a:fld>
             <a:endParaRPr lang="ko-KR" altLang="en-US"/>
           </a:p>
@@ -1331,7 +1332,7 @@
           <a:p>
             <a:fld id="{8DB4F532-3DCD-4435-832E-C840FA74BEA9}" type="datetime1">
               <a:rPr lang="ko-KR" altLang="en-US" smtClean="0"/>
-              <a:t>2024-05-29</a:t>
+              <a:t>2024-05-30</a:t>
             </a:fld>
             <a:endParaRPr lang="ko-KR" altLang="en-US"/>
           </a:p>
@@ -1581,7 +1582,7 @@
           <a:p>
             <a:fld id="{D56AD3B3-4B0C-4EFF-9C7A-0223E062CE3C}" type="datetime1">
               <a:rPr lang="ko-KR" altLang="en-US" smtClean="0"/>
-              <a:t>2024-05-29</a:t>
+              <a:t>2024-05-30</a:t>
             </a:fld>
             <a:endParaRPr lang="ko-KR" altLang="en-US"/>
           </a:p>
@@ -1817,7 +1818,7 @@
           <a:p>
             <a:fld id="{14F01DF6-6DA8-4DA1-A24E-D32D94B4F3A7}" type="datetime1">
               <a:rPr lang="ko-KR" altLang="en-US" smtClean="0"/>
-              <a:t>2024-05-29</a:t>
+              <a:t>2024-05-30</a:t>
             </a:fld>
             <a:endParaRPr lang="ko-KR" altLang="en-US"/>
           </a:p>
@@ -2188,7 +2189,7 @@
           <a:p>
             <a:fld id="{2937C5F0-0B30-4785-9443-9937BE742715}" type="datetime1">
               <a:rPr lang="ko-KR" altLang="en-US" smtClean="0"/>
-              <a:t>2024-05-29</a:t>
+              <a:t>2024-05-30</a:t>
             </a:fld>
             <a:endParaRPr lang="ko-KR" altLang="en-US"/>
           </a:p>
@@ -2310,7 +2311,7 @@
           <a:p>
             <a:fld id="{C0C0300F-06EB-4F29-B137-2FE86CF99071}" type="datetime1">
               <a:rPr lang="ko-KR" altLang="en-US" smtClean="0"/>
-              <a:t>2024-05-29</a:t>
+              <a:t>2024-05-30</a:t>
             </a:fld>
             <a:endParaRPr lang="ko-KR" altLang="en-US"/>
           </a:p>
@@ -2409,7 +2410,7 @@
           <a:p>
             <a:fld id="{F37361B1-C6B5-4A5B-9320-E3E43741C577}" type="datetime1">
               <a:rPr lang="ko-KR" altLang="en-US" smtClean="0"/>
-              <a:t>2024-05-29</a:t>
+              <a:t>2024-05-30</a:t>
             </a:fld>
             <a:endParaRPr lang="ko-KR" altLang="en-US"/>
           </a:p>
@@ -2690,7 +2691,7 @@
           <a:p>
             <a:fld id="{6D2163E6-7097-493E-97C2-471C850EC9AE}" type="datetime1">
               <a:rPr lang="ko-KR" altLang="en-US" smtClean="0"/>
-              <a:t>2024-05-29</a:t>
+              <a:t>2024-05-30</a:t>
             </a:fld>
             <a:endParaRPr lang="ko-KR" altLang="en-US"/>
           </a:p>
@@ -2947,7 +2948,7 @@
           <a:p>
             <a:fld id="{9211308B-325B-4B53-8534-3C6F84257CBD}" type="datetime1">
               <a:rPr lang="ko-KR" altLang="en-US" smtClean="0"/>
-              <a:t>2024-05-29</a:t>
+              <a:t>2024-05-30</a:t>
             </a:fld>
             <a:endParaRPr lang="ko-KR" altLang="en-US"/>
           </a:p>
@@ -3164,7 +3165,7 @@
           <a:p>
             <a:fld id="{5E6B3BF1-467B-4477-8312-3B4C26C029E0}" type="datetime1">
               <a:rPr lang="ko-KR" altLang="en-US" smtClean="0"/>
-              <a:t>2024-05-29</a:t>
+              <a:t>2024-05-30</a:t>
             </a:fld>
             <a:endParaRPr lang="ko-KR" altLang="en-US"/>
           </a:p>
@@ -4423,11 +4424,7 @@
           <a:p>
             <a:r>
               <a:rPr lang="en-US" altLang="ko-KR" dirty="0" smtClean="0"/>
-              <a:t>30 May </a:t>
-            </a:r>
-            <a:r>
-              <a:rPr lang="en-US" altLang="ko-KR" dirty="0" smtClean="0"/>
-              <a:t>2024</a:t>
+              <a:t>30 May 2024</a:t>
             </a:r>
             <a:endParaRPr lang="ko-KR" altLang="en-US" dirty="0"/>
           </a:p>
@@ -4790,11 +4787,7 @@
           <a:p>
             <a:r>
               <a:rPr lang="en-US" altLang="ko-KR" dirty="0" smtClean="0"/>
-              <a:t>30 May </a:t>
-            </a:r>
-            <a:r>
-              <a:rPr lang="en-US" altLang="ko-KR" dirty="0" smtClean="0"/>
-              <a:t>2024</a:t>
+              <a:t>30 May 2024</a:t>
             </a:r>
             <a:endParaRPr lang="ko-KR" altLang="en-US" dirty="0"/>
           </a:p>
@@ -5050,11 +5043,7 @@
           <a:p>
             <a:r>
               <a:rPr lang="en-US" altLang="ko-KR" dirty="0" smtClean="0"/>
-              <a:t>30 </a:t>
-            </a:r>
-            <a:r>
-              <a:rPr lang="en-US" altLang="ko-KR" dirty="0" smtClean="0"/>
-              <a:t>May 2024</a:t>
+              <a:t>30 May 2024</a:t>
             </a:r>
             <a:endParaRPr lang="ko-KR" altLang="en-US" dirty="0"/>
           </a:p>
@@ -5316,7 +5305,6 @@
               <a:rPr lang="ko-KR" altLang="en-US" sz="1100" dirty="0"/>
               <a:t>된 토큰을 예측하는 과정</a:t>
             </a:r>
-            <a:endParaRPr lang="ko-KR" altLang="en-US" sz="1100" dirty="0"/>
           </a:p>
         </p:txBody>
       </p:sp>
@@ -5911,7 +5899,6 @@
               <a:rPr lang="ko-KR" altLang="en-US" dirty="0"/>
               <a:t>하게 된다</a:t>
             </a:r>
-            <a:endParaRPr lang="ko-KR" altLang="en-US" dirty="0"/>
           </a:p>
         </p:txBody>
       </p:sp>
@@ -6435,11 +6422,7 @@
           <a:p>
             <a:r>
               <a:rPr lang="en-US" altLang="ko-KR" sz="3200" b="1" dirty="0" smtClean="0"/>
-              <a:t>GPT-2 </a:t>
-            </a:r>
-            <a:r>
-              <a:rPr lang="en-US" altLang="ko-KR" sz="3200" b="1" dirty="0" smtClean="0"/>
-              <a:t>(Generative Pre-training Transformer)</a:t>
+              <a:t>GPT-2 (Generative Pre-training Transformer)</a:t>
             </a:r>
             <a:endParaRPr lang="ko-KR" altLang="en-US" sz="3200" b="1" dirty="0"/>
           </a:p>
@@ -7015,11 +6998,7 @@
           <a:p>
             <a:r>
               <a:rPr lang="en-US" altLang="ko-KR" sz="3200" b="1" dirty="0" smtClean="0"/>
-              <a:t>GPT-2 </a:t>
-            </a:r>
-            <a:r>
-              <a:rPr lang="en-US" altLang="ko-KR" sz="3200" b="1" dirty="0" smtClean="0"/>
-              <a:t>(Generative Pre-training Transformer)</a:t>
+              <a:t>GPT-2 (Generative Pre-training Transformer)</a:t>
             </a:r>
             <a:endParaRPr lang="ko-KR" altLang="en-US" sz="3200" b="1" dirty="0"/>
           </a:p>
@@ -7624,7 +7603,7 @@
           <a:p>
             <a:r>
               <a:rPr lang="en-US" altLang="ko-KR" sz="2000" b="1" dirty="0" smtClean="0"/>
-              <a:t>19</a:t>
+              <a:t>17</a:t>
             </a:r>
             <a:endParaRPr lang="ko-KR" altLang="en-US" sz="2000" b="1" dirty="0"/>
           </a:p>
@@ -7654,11 +7633,7 @@
           <a:p>
             <a:r>
               <a:rPr lang="en-US" altLang="ko-KR" sz="3200" b="1" dirty="0" smtClean="0"/>
-              <a:t>GPT-2 </a:t>
-            </a:r>
-            <a:r>
-              <a:rPr lang="en-US" altLang="ko-KR" sz="3200" b="1" dirty="0" smtClean="0"/>
-              <a:t>(Generative Pre-training Transformer)</a:t>
+              <a:t>GPT-2 (Generative Pre-training Transformer)</a:t>
             </a:r>
             <a:endParaRPr lang="ko-KR" altLang="en-US" sz="3200" b="1" dirty="0"/>
           </a:p>
@@ -8260,7 +8235,7 @@
           <a:p>
             <a:r>
               <a:rPr lang="en-US" altLang="ko-KR" sz="2000" b="1" dirty="0" smtClean="0"/>
-              <a:t>20</a:t>
+              <a:t>18</a:t>
             </a:r>
             <a:endParaRPr lang="ko-KR" altLang="en-US" sz="2000" b="1" dirty="0"/>
           </a:p>
@@ -8290,11 +8265,7 @@
           <a:p>
             <a:r>
               <a:rPr lang="en-US" altLang="ko-KR" sz="3200" b="1" dirty="0" smtClean="0"/>
-              <a:t>GPT-2 </a:t>
-            </a:r>
-            <a:r>
-              <a:rPr lang="en-US" altLang="ko-KR" sz="3200" b="1" dirty="0" smtClean="0"/>
-              <a:t>(Generative Pre-training Transformer)</a:t>
+              <a:t>GPT-2 (Generative Pre-training Transformer)</a:t>
             </a:r>
             <a:endParaRPr lang="ko-KR" altLang="en-US" sz="3200" b="1" dirty="0"/>
           </a:p>
@@ -8973,7 +8944,7 @@
           <a:p>
             <a:r>
               <a:rPr lang="en-US" altLang="ko-KR" sz="2000" b="1" dirty="0" smtClean="0"/>
-              <a:t>21</a:t>
+              <a:t>19</a:t>
             </a:r>
             <a:endParaRPr lang="ko-KR" altLang="en-US" sz="2000" b="1" dirty="0"/>
           </a:p>
@@ -9320,11 +9291,11 @@
           <a:p>
             <a:r>
               <a:rPr lang="ko-KR" altLang="en-US" sz="2400" b="1" dirty="0" smtClean="0"/>
-              <a:t>논문 구현</a:t>
-            </a:r>
-            <a:r>
-              <a:rPr lang="en-US" altLang="ko-KR" sz="2400" b="1" dirty="0" smtClean="0"/>
-              <a:t>(1)</a:t>
+              <a:t>논문 </a:t>
+            </a:r>
+            <a:r>
+              <a:rPr lang="ko-KR" altLang="en-US" sz="2400" b="1" dirty="0" smtClean="0"/>
+              <a:t>구현</a:t>
             </a:r>
             <a:endParaRPr lang="ko-KR" altLang="en-US" sz="2400" b="1" dirty="0"/>
           </a:p>
@@ -9477,7 +9448,7 @@
                   <a:schemeClr val="bg1"/>
                 </a:solidFill>
               </a:rPr>
-              <a:t>22</a:t>
+              <a:t>20</a:t>
             </a:r>
             <a:endParaRPr lang="ko-KR" altLang="en-US" sz="2000" b="1" dirty="0">
               <a:solidFill>
@@ -9643,7 +9614,7 @@
           <a:p>
             <a:r>
               <a:rPr lang="en-US" altLang="ko-KR" sz="2000" b="1" dirty="0" smtClean="0"/>
-              <a:t>23</a:t>
+              <a:t>21</a:t>
             </a:r>
             <a:endParaRPr lang="ko-KR" altLang="en-US" sz="2000" b="1" dirty="0"/>
           </a:p>
@@ -9673,19 +9644,47 @@
           <a:p>
             <a:r>
               <a:rPr lang="ko-KR" altLang="en-US" sz="3200" b="1" dirty="0" smtClean="0"/>
-              <a:t>논문 구현</a:t>
-            </a:r>
-            <a:r>
-              <a:rPr lang="en-US" altLang="ko-KR" sz="3200" b="1" dirty="0" smtClean="0"/>
-              <a:t>(1)</a:t>
+              <a:t>논문 </a:t>
+            </a:r>
+            <a:r>
+              <a:rPr lang="ko-KR" altLang="en-US" sz="3200" b="1" dirty="0" smtClean="0"/>
+              <a:t>구현</a:t>
             </a:r>
             <a:endParaRPr lang="ko-KR" altLang="en-US" sz="3200" b="1" dirty="0"/>
+          </a:p>
+        </p:txBody>
+      </p:sp>
+      <p:sp>
+        <p:nvSpPr>
+          <p:cNvPr id="7" name="바닥글 개체 틀 6"/>
+          <p:cNvSpPr>
+            <a:spLocks noGrp="1"/>
+          </p:cNvSpPr>
+          <p:nvPr>
+            <p:ph type="ftr" sz="quarter" idx="11"/>
+          </p:nvPr>
+        </p:nvSpPr>
+        <p:spPr>
+          <a:xfrm>
+            <a:off x="4038600" y="6356350"/>
+            <a:ext cx="4114800" cy="365125"/>
+          </a:xfrm>
+        </p:spPr>
+        <p:txBody>
+          <a:bodyPr/>
+          <a:lstStyle/>
+          <a:p>
+            <a:r>
+              <a:rPr lang="en-US" altLang="ko-KR" dirty="0" smtClean="0"/>
+              <a:t>30 May 2024</a:t>
+            </a:r>
+            <a:endParaRPr lang="ko-KR" altLang="en-US" dirty="0"/>
           </a:p>
         </p:txBody>
       </p:sp>
       <p:pic>
         <p:nvPicPr>
-          <p:cNvPr id="3" name="그림 2"/>
+          <p:cNvPr id="2" name="그림 1"/>
           <p:cNvPicPr>
             <a:picLocks noChangeAspect="1"/>
           </p:cNvPicPr>
@@ -9699,46 +9698,18 @@
         </p:blipFill>
         <p:spPr>
           <a:xfrm>
-            <a:off x="2191265" y="846032"/>
-            <a:ext cx="8097795" cy="5485137"/>
+            <a:off x="2166937" y="1042987"/>
+            <a:ext cx="7858125" cy="4772025"/>
           </a:xfrm>
           <a:prstGeom prst="rect">
             <a:avLst/>
           </a:prstGeom>
         </p:spPr>
       </p:pic>
-      <p:sp>
-        <p:nvSpPr>
-          <p:cNvPr id="7" name="바닥글 개체 틀 6"/>
-          <p:cNvSpPr>
-            <a:spLocks noGrp="1"/>
-          </p:cNvSpPr>
-          <p:nvPr>
-            <p:ph type="ftr" sz="quarter" idx="11"/>
-          </p:nvPr>
-        </p:nvSpPr>
-        <p:spPr>
-          <a:xfrm>
-            <a:off x="4038600" y="6356350"/>
-            <a:ext cx="4114800" cy="365125"/>
-          </a:xfrm>
-        </p:spPr>
-        <p:txBody>
-          <a:bodyPr/>
-          <a:lstStyle/>
-          <a:p>
-            <a:r>
-              <a:rPr lang="en-US" altLang="ko-KR" dirty="0" smtClean="0"/>
-              <a:t>30 May 2024</a:t>
-            </a:r>
-            <a:endParaRPr lang="ko-KR" altLang="en-US" dirty="0"/>
-          </a:p>
-        </p:txBody>
-      </p:sp>
     </p:spTree>
     <p:extLst>
       <p:ext uri="{BB962C8B-B14F-4D97-AF65-F5344CB8AC3E}">
-        <p14:creationId xmlns:p14="http://schemas.microsoft.com/office/powerpoint/2010/main" val="2249435142"/>
+        <p14:creationId xmlns:p14="http://schemas.microsoft.com/office/powerpoint/2010/main" val="104921700"/>
       </p:ext>
     </p:extLst>
   </p:cSld>
@@ -9891,7 +9862,7 @@
           <a:p>
             <a:r>
               <a:rPr lang="en-US" altLang="ko-KR" sz="2000" b="1" dirty="0" smtClean="0"/>
-              <a:t>24</a:t>
+              <a:t>22</a:t>
             </a:r>
             <a:endParaRPr lang="ko-KR" altLang="en-US" sz="2000" b="1" dirty="0"/>
           </a:p>
@@ -9921,7 +9892,11 @@
           <a:p>
             <a:r>
               <a:rPr lang="ko-KR" altLang="en-US" sz="3200" b="1" dirty="0" smtClean="0"/>
-              <a:t>구현 결과</a:t>
+              <a:t>논문 </a:t>
+            </a:r>
+            <a:r>
+              <a:rPr lang="ko-KR" altLang="en-US" sz="3200" b="1" dirty="0" smtClean="0"/>
+              <a:t>구현</a:t>
             </a:r>
             <a:endParaRPr lang="ko-KR" altLang="en-US" sz="3200" b="1" dirty="0"/>
           </a:p>
@@ -9929,7 +9904,7 @@
       </p:sp>
       <p:pic>
         <p:nvPicPr>
-          <p:cNvPr id="6" name="그림 5"/>
+          <p:cNvPr id="3" name="그림 2"/>
           <p:cNvPicPr>
             <a:picLocks noChangeAspect="1"/>
           </p:cNvPicPr>
@@ -9943,8 +9918,8 @@
         </p:blipFill>
         <p:spPr>
           <a:xfrm>
-            <a:off x="270554" y="3188044"/>
-            <a:ext cx="11692846" cy="551935"/>
+            <a:off x="2191265" y="846032"/>
+            <a:ext cx="8097795" cy="5485137"/>
           </a:xfrm>
           <a:prstGeom prst="rect">
             <a:avLst/>
@@ -9953,7 +9928,7 @@
       </p:pic>
       <p:sp>
         <p:nvSpPr>
-          <p:cNvPr id="8" name="바닥글 개체 틀 6"/>
+          <p:cNvPr id="7" name="바닥글 개체 틀 6"/>
           <p:cNvSpPr>
             <a:spLocks noGrp="1"/>
           </p:cNvSpPr>
@@ -9982,7 +9957,7 @@
     </p:spTree>
     <p:extLst>
       <p:ext uri="{BB962C8B-B14F-4D97-AF65-F5344CB8AC3E}">
-        <p14:creationId xmlns:p14="http://schemas.microsoft.com/office/powerpoint/2010/main" val="1609917714"/>
+        <p14:creationId xmlns:p14="http://schemas.microsoft.com/office/powerpoint/2010/main" val="2249435142"/>
       </p:ext>
     </p:extLst>
   </p:cSld>
@@ -10135,7 +10110,7 @@
           <a:p>
             <a:r>
               <a:rPr lang="en-US" altLang="ko-KR" sz="2000" b="1" dirty="0" smtClean="0"/>
-              <a:t>25</a:t>
+              <a:t>23</a:t>
             </a:r>
             <a:endParaRPr lang="ko-KR" altLang="en-US" sz="2000" b="1" dirty="0"/>
           </a:p>
@@ -10143,35 +10118,7 @@
       </p:sp>
       <p:sp>
         <p:nvSpPr>
-          <p:cNvPr id="5" name="바닥글 개체 틀 6"/>
-          <p:cNvSpPr>
-            <a:spLocks noGrp="1"/>
-          </p:cNvSpPr>
-          <p:nvPr>
-            <p:ph type="ftr" sz="quarter" idx="11"/>
-          </p:nvPr>
-        </p:nvSpPr>
-        <p:spPr>
-          <a:xfrm>
-            <a:off x="4038600" y="6356350"/>
-            <a:ext cx="4114800" cy="365125"/>
-          </a:xfrm>
-        </p:spPr>
-        <p:txBody>
-          <a:bodyPr/>
-          <a:lstStyle/>
-          <a:p>
-            <a:r>
-              <a:rPr lang="en-US" altLang="ko-KR" dirty="0" smtClean="0"/>
-              <a:t>30 May 2024</a:t>
-            </a:r>
-            <a:endParaRPr lang="ko-KR" altLang="en-US" dirty="0"/>
-          </a:p>
-        </p:txBody>
-      </p:sp>
-      <p:sp>
-        <p:nvSpPr>
-          <p:cNvPr id="6" name="TextBox 5"/>
+          <p:cNvPr id="5" name="TextBox 4"/>
           <p:cNvSpPr txBox="1"/>
           <p:nvPr/>
         </p:nvSpPr>
@@ -10192,8 +10139,8 @@
           <a:lstStyle/>
           <a:p>
             <a:r>
-              <a:rPr lang="en-US" altLang="ko-KR" sz="3200" b="1" dirty="0" smtClean="0"/>
-              <a:t>Reference</a:t>
+              <a:rPr lang="ko-KR" altLang="en-US" sz="3200" b="1" dirty="0" smtClean="0"/>
+              <a:t>구현 결과</a:t>
             </a:r>
             <a:endParaRPr lang="ko-KR" altLang="en-US" sz="3200" b="1" dirty="0"/>
           </a:p>
@@ -10201,341 +10148,152 @@
       </p:sp>
       <p:sp>
         <p:nvSpPr>
-          <p:cNvPr id="7" name="내용 개체 틀 2"/>
-          <p:cNvSpPr txBox="1">
-            <a:spLocks/>
+          <p:cNvPr id="8" name="바닥글 개체 틀 6"/>
+          <p:cNvSpPr>
+            <a:spLocks noGrp="1"/>
           </p:cNvSpPr>
-          <p:nvPr/>
+          <p:nvPr>
+            <p:ph type="ftr" sz="quarter" idx="11"/>
+          </p:nvPr>
         </p:nvSpPr>
         <p:spPr>
           <a:xfrm>
-            <a:off x="354227" y="1472463"/>
-            <a:ext cx="11609173" cy="5005181"/>
+            <a:off x="4038600" y="6356350"/>
+            <a:ext cx="4114800" cy="365125"/>
+          </a:xfrm>
+        </p:spPr>
+        <p:txBody>
+          <a:bodyPr/>
+          <a:lstStyle/>
+          <a:p>
+            <a:r>
+              <a:rPr lang="en-US" altLang="ko-KR" dirty="0" smtClean="0"/>
+              <a:t>30 May 2024</a:t>
+            </a:r>
+            <a:endParaRPr lang="ko-KR" altLang="en-US" dirty="0"/>
+          </a:p>
+        </p:txBody>
+      </p:sp>
+      <p:pic>
+        <p:nvPicPr>
+          <p:cNvPr id="2" name="그림 1"/>
+          <p:cNvPicPr>
+            <a:picLocks noChangeAspect="1"/>
+          </p:cNvPicPr>
+          <p:nvPr/>
+        </p:nvPicPr>
+        <p:blipFill>
+          <a:blip r:embed="rId2"/>
+          <a:stretch>
+            <a:fillRect/>
+          </a:stretch>
+        </p:blipFill>
+        <p:spPr>
+          <a:xfrm>
+            <a:off x="208469" y="1924066"/>
+            <a:ext cx="11915775" cy="910116"/>
           </a:xfrm>
           <a:prstGeom prst="rect">
             <a:avLst/>
           </a:prstGeom>
         </p:spPr>
-        <p:txBody>
-          <a:bodyPr vert="horz" lIns="91440" tIns="45720" rIns="91440" bIns="45720" rtlCol="0">
-            <a:normAutofit/>
+      </p:pic>
+      <p:pic>
+        <p:nvPicPr>
+          <p:cNvPr id="3" name="그림 2"/>
+          <p:cNvPicPr>
+            <a:picLocks noChangeAspect="1"/>
+          </p:cNvPicPr>
+          <p:nvPr/>
+        </p:nvPicPr>
+        <p:blipFill>
+          <a:blip r:embed="rId3"/>
+          <a:stretch>
+            <a:fillRect/>
+          </a:stretch>
+        </p:blipFill>
+        <p:spPr>
+          <a:xfrm>
+            <a:off x="208469" y="4655998"/>
+            <a:ext cx="11983531" cy="569166"/>
+          </a:xfrm>
+          <a:prstGeom prst="rect">
+            <a:avLst/>
+          </a:prstGeom>
+        </p:spPr>
+      </p:pic>
+      <p:sp>
+        <p:nvSpPr>
+          <p:cNvPr id="4" name="TextBox 3"/>
+          <p:cNvSpPr txBox="1"/>
+          <p:nvPr/>
+        </p:nvSpPr>
+        <p:spPr>
+          <a:xfrm>
+            <a:off x="4563762" y="1381420"/>
+            <a:ext cx="1820562" cy="369332"/>
+          </a:xfrm>
+          <a:prstGeom prst="rect">
+            <a:avLst/>
+          </a:prstGeom>
+          <a:noFill/>
+        </p:spPr>
+        <p:txBody>
+          <a:bodyPr wrap="square" rtlCol="0">
+            <a:spAutoFit/>
           </a:bodyPr>
-          <a:lstStyle>
-            <a:lvl1pPr marL="228600" indent="-228600" algn="l" defTabSz="914400" rtl="0" eaLnBrk="1" latinLnBrk="1" hangingPunct="1">
-              <a:lnSpc>
-                <a:spcPct val="90000"/>
-              </a:lnSpc>
-              <a:spcBef>
-                <a:spcPts val="1000"/>
-              </a:spcBef>
-              <a:buFont typeface="Arial" panose="020B0604020202020204" pitchFamily="34" charset="0"/>
-              <a:buChar char="•"/>
-              <a:defRPr sz="2800" kern="1200">
-                <a:solidFill>
-                  <a:schemeClr val="tx1"/>
-                </a:solidFill>
-                <a:latin typeface="+mn-lt"/>
-                <a:ea typeface="+mn-ea"/>
-                <a:cs typeface="+mn-cs"/>
-              </a:defRPr>
-            </a:lvl1pPr>
-            <a:lvl2pPr marL="685800" indent="-228600" algn="l" defTabSz="914400" rtl="0" eaLnBrk="1" latinLnBrk="1" hangingPunct="1">
-              <a:lnSpc>
-                <a:spcPct val="90000"/>
-              </a:lnSpc>
-              <a:spcBef>
-                <a:spcPts val="500"/>
-              </a:spcBef>
-              <a:buFont typeface="Arial" panose="020B0604020202020204" pitchFamily="34" charset="0"/>
-              <a:buChar char="•"/>
-              <a:defRPr sz="2400" kern="1200">
-                <a:solidFill>
-                  <a:schemeClr val="tx1"/>
-                </a:solidFill>
-                <a:latin typeface="+mn-lt"/>
-                <a:ea typeface="+mn-ea"/>
-                <a:cs typeface="+mn-cs"/>
-              </a:defRPr>
-            </a:lvl2pPr>
-            <a:lvl3pPr marL="1143000" indent="-228600" algn="l" defTabSz="914400" rtl="0" eaLnBrk="1" latinLnBrk="1" hangingPunct="1">
-              <a:lnSpc>
-                <a:spcPct val="90000"/>
-              </a:lnSpc>
-              <a:spcBef>
-                <a:spcPts val="500"/>
-              </a:spcBef>
-              <a:buFont typeface="Arial" panose="020B0604020202020204" pitchFamily="34" charset="0"/>
-              <a:buChar char="•"/>
-              <a:defRPr sz="2000" kern="1200">
-                <a:solidFill>
-                  <a:schemeClr val="tx1"/>
-                </a:solidFill>
-                <a:latin typeface="+mn-lt"/>
-                <a:ea typeface="+mn-ea"/>
-                <a:cs typeface="+mn-cs"/>
-              </a:defRPr>
-            </a:lvl3pPr>
-            <a:lvl4pPr marL="1600200" indent="-228600" algn="l" defTabSz="914400" rtl="0" eaLnBrk="1" latinLnBrk="1" hangingPunct="1">
-              <a:lnSpc>
-                <a:spcPct val="90000"/>
-              </a:lnSpc>
-              <a:spcBef>
-                <a:spcPts val="500"/>
-              </a:spcBef>
-              <a:buFont typeface="Arial" panose="020B0604020202020204" pitchFamily="34" charset="0"/>
-              <a:buChar char="•"/>
-              <a:defRPr sz="1800" kern="1200">
-                <a:solidFill>
-                  <a:schemeClr val="tx1"/>
-                </a:solidFill>
-                <a:latin typeface="+mn-lt"/>
-                <a:ea typeface="+mn-ea"/>
-                <a:cs typeface="+mn-cs"/>
-              </a:defRPr>
-            </a:lvl4pPr>
-            <a:lvl5pPr marL="2057400" indent="-228600" algn="l" defTabSz="914400" rtl="0" eaLnBrk="1" latinLnBrk="1" hangingPunct="1">
-              <a:lnSpc>
-                <a:spcPct val="90000"/>
-              </a:lnSpc>
-              <a:spcBef>
-                <a:spcPts val="500"/>
-              </a:spcBef>
-              <a:buFont typeface="Arial" panose="020B0604020202020204" pitchFamily="34" charset="0"/>
-              <a:buChar char="•"/>
-              <a:defRPr sz="1800" kern="1200">
-                <a:solidFill>
-                  <a:schemeClr val="tx1"/>
-                </a:solidFill>
-                <a:latin typeface="+mn-lt"/>
-                <a:ea typeface="+mn-ea"/>
-                <a:cs typeface="+mn-cs"/>
-              </a:defRPr>
-            </a:lvl5pPr>
-            <a:lvl6pPr marL="2514600" indent="-228600" algn="l" defTabSz="914400" rtl="0" eaLnBrk="1" latinLnBrk="1" hangingPunct="1">
-              <a:lnSpc>
-                <a:spcPct val="90000"/>
-              </a:lnSpc>
-              <a:spcBef>
-                <a:spcPts val="500"/>
-              </a:spcBef>
-              <a:buFont typeface="Arial" panose="020B0604020202020204" pitchFamily="34" charset="0"/>
-              <a:buChar char="•"/>
-              <a:defRPr sz="1800" kern="1200">
-                <a:solidFill>
-                  <a:schemeClr val="tx1"/>
-                </a:solidFill>
-                <a:latin typeface="+mn-lt"/>
-                <a:ea typeface="+mn-ea"/>
-                <a:cs typeface="+mn-cs"/>
-              </a:defRPr>
-            </a:lvl6pPr>
-            <a:lvl7pPr marL="2971800" indent="-228600" algn="l" defTabSz="914400" rtl="0" eaLnBrk="1" latinLnBrk="1" hangingPunct="1">
-              <a:lnSpc>
-                <a:spcPct val="90000"/>
-              </a:lnSpc>
-              <a:spcBef>
-                <a:spcPts val="500"/>
-              </a:spcBef>
-              <a:buFont typeface="Arial" panose="020B0604020202020204" pitchFamily="34" charset="0"/>
-              <a:buChar char="•"/>
-              <a:defRPr sz="1800" kern="1200">
-                <a:solidFill>
-                  <a:schemeClr val="tx1"/>
-                </a:solidFill>
-                <a:latin typeface="+mn-lt"/>
-                <a:ea typeface="+mn-ea"/>
-                <a:cs typeface="+mn-cs"/>
-              </a:defRPr>
-            </a:lvl7pPr>
-            <a:lvl8pPr marL="3429000" indent="-228600" algn="l" defTabSz="914400" rtl="0" eaLnBrk="1" latinLnBrk="1" hangingPunct="1">
-              <a:lnSpc>
-                <a:spcPct val="90000"/>
-              </a:lnSpc>
-              <a:spcBef>
-                <a:spcPts val="500"/>
-              </a:spcBef>
-              <a:buFont typeface="Arial" panose="020B0604020202020204" pitchFamily="34" charset="0"/>
-              <a:buChar char="•"/>
-              <a:defRPr sz="1800" kern="1200">
-                <a:solidFill>
-                  <a:schemeClr val="tx1"/>
-                </a:solidFill>
-                <a:latin typeface="+mn-lt"/>
-                <a:ea typeface="+mn-ea"/>
-                <a:cs typeface="+mn-cs"/>
-              </a:defRPr>
-            </a:lvl8pPr>
-            <a:lvl9pPr marL="3886200" indent="-228600" algn="l" defTabSz="914400" rtl="0" eaLnBrk="1" latinLnBrk="1" hangingPunct="1">
-              <a:lnSpc>
-                <a:spcPct val="90000"/>
-              </a:lnSpc>
-              <a:spcBef>
-                <a:spcPts val="500"/>
-              </a:spcBef>
-              <a:buFont typeface="Arial" panose="020B0604020202020204" pitchFamily="34" charset="0"/>
-              <a:buChar char="•"/>
-              <a:defRPr sz="1800" kern="1200">
-                <a:solidFill>
-                  <a:schemeClr val="tx1"/>
-                </a:solidFill>
-                <a:latin typeface="+mn-lt"/>
-                <a:ea typeface="+mn-ea"/>
-                <a:cs typeface="+mn-cs"/>
-              </a:defRPr>
-            </a:lvl9pPr>
-          </a:lstStyle>
-          <a:p>
-            <a:r>
-              <a:rPr lang="en-US" altLang="ko-KR" sz="2400" b="1" dirty="0"/>
-              <a:t>Improving Language Understanding by Generative </a:t>
-            </a:r>
-            <a:r>
-              <a:rPr lang="en-US" altLang="ko-KR" sz="2400" b="1" dirty="0" smtClean="0"/>
-              <a:t>Pre-Training (GPT-1)</a:t>
-            </a:r>
-          </a:p>
-          <a:p>
-            <a:pPr marL="0" indent="0">
-              <a:buNone/>
-            </a:pPr>
-            <a:r>
-              <a:rPr lang="en-US" altLang="ko-KR" sz="1800" dirty="0" smtClean="0"/>
-              <a:t>   </a:t>
-            </a:r>
-            <a:r>
-              <a:rPr lang="en-US" altLang="ko-KR" sz="1800" dirty="0"/>
-              <a:t>Alec Radford</a:t>
-            </a:r>
-            <a:r>
-              <a:rPr lang="en-US" altLang="ko-KR" sz="1800" dirty="0" smtClean="0"/>
-              <a:t>/ </a:t>
-            </a:r>
-            <a:r>
-              <a:rPr lang="en-US" altLang="ko-KR" sz="1800" dirty="0"/>
-              <a:t>11 JUN </a:t>
-            </a:r>
-            <a:r>
-              <a:rPr lang="en-US" altLang="ko-KR" sz="1800" dirty="0" smtClean="0"/>
-              <a:t>2018</a:t>
-            </a:r>
-          </a:p>
-          <a:p>
-            <a:pPr marL="0" indent="0">
-              <a:buNone/>
-            </a:pPr>
-            <a:endParaRPr lang="en-US" altLang="ko-KR" sz="2400" dirty="0" smtClean="0"/>
-          </a:p>
-          <a:p>
-            <a:r>
-              <a:rPr lang="en-US" altLang="ko-KR" sz="2400" b="1" dirty="0" smtClean="0"/>
-              <a:t>BERT</a:t>
-            </a:r>
-            <a:r>
-              <a:rPr lang="en-US" altLang="ko-KR" sz="2400" b="1" dirty="0"/>
-              <a:t>: Pre-training of Deep Bidirectional Transformers for Language </a:t>
-            </a:r>
-            <a:r>
-              <a:rPr lang="en-US" altLang="ko-KR" sz="2400" b="1" dirty="0" smtClean="0"/>
-              <a:t>Understanding</a:t>
-            </a:r>
-          </a:p>
-          <a:p>
-            <a:pPr marL="0" indent="0">
-              <a:buNone/>
-            </a:pPr>
-            <a:r>
-              <a:rPr lang="en-US" altLang="ko-KR" sz="2400" b="1" dirty="0"/>
-              <a:t> </a:t>
-            </a:r>
-            <a:r>
-              <a:rPr lang="en-US" altLang="ko-KR" sz="2400" b="1" dirty="0" smtClean="0"/>
-              <a:t> </a:t>
-            </a:r>
-            <a:r>
-              <a:rPr lang="en-US" altLang="ko-KR" sz="1800" dirty="0" smtClean="0"/>
-              <a:t>Jacob </a:t>
-            </a:r>
-            <a:r>
-              <a:rPr lang="en-US" altLang="ko-KR" sz="1800" dirty="0"/>
-              <a:t>Devlin/ 24 May 2019</a:t>
-            </a:r>
-            <a:endParaRPr lang="en-US" altLang="ko-KR" sz="2400" dirty="0"/>
-          </a:p>
-          <a:p>
-            <a:endParaRPr lang="en-US" altLang="ko-KR" sz="2400" b="1" dirty="0" smtClean="0"/>
-          </a:p>
-          <a:p>
-            <a:r>
-              <a:rPr lang="en-US" altLang="ko-KR" sz="2400" b="1" dirty="0"/>
-              <a:t>Language Models are Unsupervised Multitask </a:t>
-            </a:r>
-            <a:r>
-              <a:rPr lang="en-US" altLang="ko-KR" sz="2400" b="1" dirty="0" smtClean="0"/>
-              <a:t>Learners</a:t>
-            </a:r>
-          </a:p>
-          <a:p>
-            <a:pPr marL="0" indent="0">
-              <a:buNone/>
-            </a:pPr>
-            <a:r>
-              <a:rPr lang="en-US" altLang="ko-KR" sz="2400" b="1" dirty="0"/>
-              <a:t> </a:t>
-            </a:r>
-            <a:r>
-              <a:rPr lang="en-US" altLang="ko-KR" sz="2400" b="1" dirty="0" smtClean="0"/>
-              <a:t> </a:t>
-            </a:r>
-            <a:r>
-              <a:rPr lang="en-US" altLang="ko-KR" sz="1800" dirty="0"/>
-              <a:t>Alec </a:t>
-            </a:r>
-            <a:r>
-              <a:rPr lang="en-US" altLang="ko-KR" sz="1800" dirty="0" smtClean="0"/>
-              <a:t>Radford/ 14 </a:t>
-            </a:r>
-            <a:r>
-              <a:rPr lang="en-US" altLang="ko-KR" sz="1800" dirty="0"/>
-              <a:t>FEB </a:t>
-            </a:r>
-            <a:r>
-              <a:rPr lang="en-US" altLang="ko-KR" sz="1800" dirty="0" smtClean="0"/>
-              <a:t>2019</a:t>
-            </a:r>
-            <a:endParaRPr lang="en-US" altLang="ko-KR" sz="1800" dirty="0"/>
-          </a:p>
-          <a:p>
-            <a:pPr marL="0" indent="0">
-              <a:buNone/>
-            </a:pPr>
-            <a:endParaRPr lang="en-US" altLang="ko-KR" sz="2400" b="1" dirty="0" smtClean="0"/>
-          </a:p>
-          <a:p>
-            <a:pPr marL="0" indent="0">
-              <a:buNone/>
-            </a:pPr>
-            <a:r>
-              <a:rPr lang="en-US" altLang="ko-KR" sz="2400" dirty="0"/>
-              <a:t> </a:t>
-            </a:r>
-            <a:r>
-              <a:rPr lang="en-US" altLang="ko-KR" sz="2400" dirty="0" smtClean="0"/>
-              <a:t> </a:t>
-            </a:r>
-            <a:endParaRPr lang="en-US" altLang="ko-KR" sz="2400" dirty="0"/>
-          </a:p>
-          <a:p>
-            <a:endParaRPr lang="en-US" altLang="ko-KR" b="1" dirty="0" smtClean="0"/>
-          </a:p>
-          <a:p>
-            <a:endParaRPr lang="en-US" altLang="ko-KR" b="1" dirty="0"/>
+          <a:lstStyle/>
+          <a:p>
+            <a:r>
+              <a:rPr lang="en-US" altLang="ko-KR" dirty="0" smtClean="0"/>
+              <a:t>GPT-2 </a:t>
+            </a:r>
+            <a:r>
+              <a:rPr lang="ko-KR" altLang="en-US" dirty="0" smtClean="0"/>
+              <a:t>구현결과</a:t>
+            </a:r>
+            <a:endParaRPr lang="ko-KR" altLang="en-US" dirty="0"/>
+          </a:p>
+        </p:txBody>
+      </p:sp>
+      <p:sp>
+        <p:nvSpPr>
+          <p:cNvPr id="10" name="TextBox 9"/>
+          <p:cNvSpPr txBox="1"/>
+          <p:nvPr/>
+        </p:nvSpPr>
+        <p:spPr>
+          <a:xfrm>
+            <a:off x="4234248" y="4103432"/>
+            <a:ext cx="2804984" cy="369332"/>
+          </a:xfrm>
+          <a:prstGeom prst="rect">
+            <a:avLst/>
+          </a:prstGeom>
+          <a:noFill/>
+        </p:spPr>
+        <p:txBody>
+          <a:bodyPr wrap="square" rtlCol="0">
+            <a:spAutoFit/>
+          </a:bodyPr>
+          <a:lstStyle/>
+          <a:p>
+            <a:r>
+              <a:rPr lang="en-US" altLang="ko-KR" dirty="0" smtClean="0"/>
+              <a:t>GPT-3.5 API </a:t>
+            </a:r>
+            <a:r>
+              <a:rPr lang="ko-KR" altLang="en-US" dirty="0" smtClean="0"/>
+              <a:t>사용결과</a:t>
+            </a:r>
+            <a:endParaRPr lang="ko-KR" altLang="en-US" dirty="0"/>
           </a:p>
         </p:txBody>
       </p:sp>
     </p:spTree>
     <p:extLst>
       <p:ext uri="{BB962C8B-B14F-4D97-AF65-F5344CB8AC3E}">
-        <p14:creationId xmlns:p14="http://schemas.microsoft.com/office/powerpoint/2010/main" val="117343527"/>
+        <p14:creationId xmlns:p14="http://schemas.microsoft.com/office/powerpoint/2010/main" val="1609917714"/>
       </p:ext>
     </p:extLst>
   </p:cSld>
@@ -10688,7 +10446,560 @@
           <a:p>
             <a:r>
               <a:rPr lang="en-US" altLang="ko-KR" sz="2000" b="1" dirty="0" smtClean="0"/>
-              <a:t>26</a:t>
+              <a:t>24</a:t>
+            </a:r>
+            <a:endParaRPr lang="ko-KR" altLang="en-US" sz="2000" b="1" dirty="0"/>
+          </a:p>
+        </p:txBody>
+      </p:sp>
+      <p:sp>
+        <p:nvSpPr>
+          <p:cNvPr id="5" name="바닥글 개체 틀 6"/>
+          <p:cNvSpPr>
+            <a:spLocks noGrp="1"/>
+          </p:cNvSpPr>
+          <p:nvPr>
+            <p:ph type="ftr" sz="quarter" idx="11"/>
+          </p:nvPr>
+        </p:nvSpPr>
+        <p:spPr>
+          <a:xfrm>
+            <a:off x="4038600" y="6356350"/>
+            <a:ext cx="4114800" cy="365125"/>
+          </a:xfrm>
+        </p:spPr>
+        <p:txBody>
+          <a:bodyPr/>
+          <a:lstStyle/>
+          <a:p>
+            <a:r>
+              <a:rPr lang="en-US" altLang="ko-KR" dirty="0" smtClean="0"/>
+              <a:t>30 May 2024</a:t>
+            </a:r>
+            <a:endParaRPr lang="ko-KR" altLang="en-US" dirty="0"/>
+          </a:p>
+        </p:txBody>
+      </p:sp>
+      <p:sp>
+        <p:nvSpPr>
+          <p:cNvPr id="6" name="TextBox 5"/>
+          <p:cNvSpPr txBox="1"/>
+          <p:nvPr/>
+        </p:nvSpPr>
+        <p:spPr>
+          <a:xfrm>
+            <a:off x="348343" y="261257"/>
+            <a:ext cx="9688286" cy="584775"/>
+          </a:xfrm>
+          <a:prstGeom prst="rect">
+            <a:avLst/>
+          </a:prstGeom>
+          <a:noFill/>
+        </p:spPr>
+        <p:txBody>
+          <a:bodyPr wrap="square" rtlCol="0">
+            <a:spAutoFit/>
+          </a:bodyPr>
+          <a:lstStyle/>
+          <a:p>
+            <a:r>
+              <a:rPr lang="en-US" altLang="ko-KR" sz="3200" b="1" dirty="0" smtClean="0"/>
+              <a:t>Reference</a:t>
+            </a:r>
+            <a:endParaRPr lang="ko-KR" altLang="en-US" sz="3200" b="1" dirty="0"/>
+          </a:p>
+        </p:txBody>
+      </p:sp>
+      <p:sp>
+        <p:nvSpPr>
+          <p:cNvPr id="7" name="내용 개체 틀 2"/>
+          <p:cNvSpPr txBox="1">
+            <a:spLocks/>
+          </p:cNvSpPr>
+          <p:nvPr/>
+        </p:nvSpPr>
+        <p:spPr>
+          <a:xfrm>
+            <a:off x="354227" y="1472463"/>
+            <a:ext cx="11609173" cy="5005181"/>
+          </a:xfrm>
+          <a:prstGeom prst="rect">
+            <a:avLst/>
+          </a:prstGeom>
+        </p:spPr>
+        <p:txBody>
+          <a:bodyPr vert="horz" lIns="91440" tIns="45720" rIns="91440" bIns="45720" rtlCol="0">
+            <a:normAutofit/>
+          </a:bodyPr>
+          <a:lstStyle>
+            <a:lvl1pPr marL="228600" indent="-228600" algn="l" defTabSz="914400" rtl="0" eaLnBrk="1" latinLnBrk="1" hangingPunct="1">
+              <a:lnSpc>
+                <a:spcPct val="90000"/>
+              </a:lnSpc>
+              <a:spcBef>
+                <a:spcPts val="1000"/>
+              </a:spcBef>
+              <a:buFont typeface="Arial" panose="020B0604020202020204" pitchFamily="34" charset="0"/>
+              <a:buChar char="•"/>
+              <a:defRPr sz="2800" kern="1200">
+                <a:solidFill>
+                  <a:schemeClr val="tx1"/>
+                </a:solidFill>
+                <a:latin typeface="+mn-lt"/>
+                <a:ea typeface="+mn-ea"/>
+                <a:cs typeface="+mn-cs"/>
+              </a:defRPr>
+            </a:lvl1pPr>
+            <a:lvl2pPr marL="685800" indent="-228600" algn="l" defTabSz="914400" rtl="0" eaLnBrk="1" latinLnBrk="1" hangingPunct="1">
+              <a:lnSpc>
+                <a:spcPct val="90000"/>
+              </a:lnSpc>
+              <a:spcBef>
+                <a:spcPts val="500"/>
+              </a:spcBef>
+              <a:buFont typeface="Arial" panose="020B0604020202020204" pitchFamily="34" charset="0"/>
+              <a:buChar char="•"/>
+              <a:defRPr sz="2400" kern="1200">
+                <a:solidFill>
+                  <a:schemeClr val="tx1"/>
+                </a:solidFill>
+                <a:latin typeface="+mn-lt"/>
+                <a:ea typeface="+mn-ea"/>
+                <a:cs typeface="+mn-cs"/>
+              </a:defRPr>
+            </a:lvl2pPr>
+            <a:lvl3pPr marL="1143000" indent="-228600" algn="l" defTabSz="914400" rtl="0" eaLnBrk="1" latinLnBrk="1" hangingPunct="1">
+              <a:lnSpc>
+                <a:spcPct val="90000"/>
+              </a:lnSpc>
+              <a:spcBef>
+                <a:spcPts val="500"/>
+              </a:spcBef>
+              <a:buFont typeface="Arial" panose="020B0604020202020204" pitchFamily="34" charset="0"/>
+              <a:buChar char="•"/>
+              <a:defRPr sz="2000" kern="1200">
+                <a:solidFill>
+                  <a:schemeClr val="tx1"/>
+                </a:solidFill>
+                <a:latin typeface="+mn-lt"/>
+                <a:ea typeface="+mn-ea"/>
+                <a:cs typeface="+mn-cs"/>
+              </a:defRPr>
+            </a:lvl3pPr>
+            <a:lvl4pPr marL="1600200" indent="-228600" algn="l" defTabSz="914400" rtl="0" eaLnBrk="1" latinLnBrk="1" hangingPunct="1">
+              <a:lnSpc>
+                <a:spcPct val="90000"/>
+              </a:lnSpc>
+              <a:spcBef>
+                <a:spcPts val="500"/>
+              </a:spcBef>
+              <a:buFont typeface="Arial" panose="020B0604020202020204" pitchFamily="34" charset="0"/>
+              <a:buChar char="•"/>
+              <a:defRPr sz="1800" kern="1200">
+                <a:solidFill>
+                  <a:schemeClr val="tx1"/>
+                </a:solidFill>
+                <a:latin typeface="+mn-lt"/>
+                <a:ea typeface="+mn-ea"/>
+                <a:cs typeface="+mn-cs"/>
+              </a:defRPr>
+            </a:lvl4pPr>
+            <a:lvl5pPr marL="2057400" indent="-228600" algn="l" defTabSz="914400" rtl="0" eaLnBrk="1" latinLnBrk="1" hangingPunct="1">
+              <a:lnSpc>
+                <a:spcPct val="90000"/>
+              </a:lnSpc>
+              <a:spcBef>
+                <a:spcPts val="500"/>
+              </a:spcBef>
+              <a:buFont typeface="Arial" panose="020B0604020202020204" pitchFamily="34" charset="0"/>
+              <a:buChar char="•"/>
+              <a:defRPr sz="1800" kern="1200">
+                <a:solidFill>
+                  <a:schemeClr val="tx1"/>
+                </a:solidFill>
+                <a:latin typeface="+mn-lt"/>
+                <a:ea typeface="+mn-ea"/>
+                <a:cs typeface="+mn-cs"/>
+              </a:defRPr>
+            </a:lvl5pPr>
+            <a:lvl6pPr marL="2514600" indent="-228600" algn="l" defTabSz="914400" rtl="0" eaLnBrk="1" latinLnBrk="1" hangingPunct="1">
+              <a:lnSpc>
+                <a:spcPct val="90000"/>
+              </a:lnSpc>
+              <a:spcBef>
+                <a:spcPts val="500"/>
+              </a:spcBef>
+              <a:buFont typeface="Arial" panose="020B0604020202020204" pitchFamily="34" charset="0"/>
+              <a:buChar char="•"/>
+              <a:defRPr sz="1800" kern="1200">
+                <a:solidFill>
+                  <a:schemeClr val="tx1"/>
+                </a:solidFill>
+                <a:latin typeface="+mn-lt"/>
+                <a:ea typeface="+mn-ea"/>
+                <a:cs typeface="+mn-cs"/>
+              </a:defRPr>
+            </a:lvl6pPr>
+            <a:lvl7pPr marL="2971800" indent="-228600" algn="l" defTabSz="914400" rtl="0" eaLnBrk="1" latinLnBrk="1" hangingPunct="1">
+              <a:lnSpc>
+                <a:spcPct val="90000"/>
+              </a:lnSpc>
+              <a:spcBef>
+                <a:spcPts val="500"/>
+              </a:spcBef>
+              <a:buFont typeface="Arial" panose="020B0604020202020204" pitchFamily="34" charset="0"/>
+              <a:buChar char="•"/>
+              <a:defRPr sz="1800" kern="1200">
+                <a:solidFill>
+                  <a:schemeClr val="tx1"/>
+                </a:solidFill>
+                <a:latin typeface="+mn-lt"/>
+                <a:ea typeface="+mn-ea"/>
+                <a:cs typeface="+mn-cs"/>
+              </a:defRPr>
+            </a:lvl7pPr>
+            <a:lvl8pPr marL="3429000" indent="-228600" algn="l" defTabSz="914400" rtl="0" eaLnBrk="1" latinLnBrk="1" hangingPunct="1">
+              <a:lnSpc>
+                <a:spcPct val="90000"/>
+              </a:lnSpc>
+              <a:spcBef>
+                <a:spcPts val="500"/>
+              </a:spcBef>
+              <a:buFont typeface="Arial" panose="020B0604020202020204" pitchFamily="34" charset="0"/>
+              <a:buChar char="•"/>
+              <a:defRPr sz="1800" kern="1200">
+                <a:solidFill>
+                  <a:schemeClr val="tx1"/>
+                </a:solidFill>
+                <a:latin typeface="+mn-lt"/>
+                <a:ea typeface="+mn-ea"/>
+                <a:cs typeface="+mn-cs"/>
+              </a:defRPr>
+            </a:lvl8pPr>
+            <a:lvl9pPr marL="3886200" indent="-228600" algn="l" defTabSz="914400" rtl="0" eaLnBrk="1" latinLnBrk="1" hangingPunct="1">
+              <a:lnSpc>
+                <a:spcPct val="90000"/>
+              </a:lnSpc>
+              <a:spcBef>
+                <a:spcPts val="500"/>
+              </a:spcBef>
+              <a:buFont typeface="Arial" panose="020B0604020202020204" pitchFamily="34" charset="0"/>
+              <a:buChar char="•"/>
+              <a:defRPr sz="1800" kern="1200">
+                <a:solidFill>
+                  <a:schemeClr val="tx1"/>
+                </a:solidFill>
+                <a:latin typeface="+mn-lt"/>
+                <a:ea typeface="+mn-ea"/>
+                <a:cs typeface="+mn-cs"/>
+              </a:defRPr>
+            </a:lvl9pPr>
+          </a:lstStyle>
+          <a:p>
+            <a:r>
+              <a:rPr lang="en-US" altLang="ko-KR" sz="2400" b="1" dirty="0"/>
+              <a:t>Improving Language Understanding by Generative </a:t>
+            </a:r>
+            <a:r>
+              <a:rPr lang="en-US" altLang="ko-KR" sz="2400" b="1" dirty="0" smtClean="0"/>
+              <a:t>Pre-Training (GPT-1)</a:t>
+            </a:r>
+          </a:p>
+          <a:p>
+            <a:pPr marL="0" indent="0">
+              <a:buNone/>
+            </a:pPr>
+            <a:r>
+              <a:rPr lang="en-US" altLang="ko-KR" sz="1800" dirty="0" smtClean="0"/>
+              <a:t>   </a:t>
+            </a:r>
+            <a:r>
+              <a:rPr lang="en-US" altLang="ko-KR" sz="1800" dirty="0"/>
+              <a:t>Alec Radford</a:t>
+            </a:r>
+            <a:r>
+              <a:rPr lang="en-US" altLang="ko-KR" sz="1800" dirty="0" smtClean="0"/>
+              <a:t>/ </a:t>
+            </a:r>
+            <a:r>
+              <a:rPr lang="en-US" altLang="ko-KR" sz="1800" dirty="0"/>
+              <a:t>11 JUN </a:t>
+            </a:r>
+            <a:r>
+              <a:rPr lang="en-US" altLang="ko-KR" sz="1800" dirty="0" smtClean="0"/>
+              <a:t>2018</a:t>
+            </a:r>
+          </a:p>
+          <a:p>
+            <a:pPr marL="0" indent="0">
+              <a:buNone/>
+            </a:pPr>
+            <a:endParaRPr lang="en-US" altLang="ko-KR" sz="2400" dirty="0" smtClean="0"/>
+          </a:p>
+          <a:p>
+            <a:r>
+              <a:rPr lang="en-US" altLang="ko-KR" sz="2400" b="1" dirty="0" smtClean="0"/>
+              <a:t>BERT</a:t>
+            </a:r>
+            <a:r>
+              <a:rPr lang="en-US" altLang="ko-KR" sz="2400" b="1" dirty="0"/>
+              <a:t>: Pre-training of Deep Bidirectional Transformers for Language </a:t>
+            </a:r>
+            <a:r>
+              <a:rPr lang="en-US" altLang="ko-KR" sz="2400" b="1" dirty="0" smtClean="0"/>
+              <a:t>Understanding</a:t>
+            </a:r>
+          </a:p>
+          <a:p>
+            <a:pPr marL="0" indent="0">
+              <a:buNone/>
+            </a:pPr>
+            <a:r>
+              <a:rPr lang="en-US" altLang="ko-KR" sz="2400" b="1" dirty="0"/>
+              <a:t> </a:t>
+            </a:r>
+            <a:r>
+              <a:rPr lang="en-US" altLang="ko-KR" sz="2400" b="1" dirty="0" smtClean="0"/>
+              <a:t> </a:t>
+            </a:r>
+            <a:r>
+              <a:rPr lang="en-US" altLang="ko-KR" sz="1800" dirty="0" smtClean="0"/>
+              <a:t>Jacob </a:t>
+            </a:r>
+            <a:r>
+              <a:rPr lang="en-US" altLang="ko-KR" sz="1800" dirty="0"/>
+              <a:t>Devlin/ 24 May 2019</a:t>
+            </a:r>
+            <a:endParaRPr lang="en-US" altLang="ko-KR" sz="2400" dirty="0"/>
+          </a:p>
+          <a:p>
+            <a:endParaRPr lang="en-US" altLang="ko-KR" sz="2400" b="1" dirty="0" smtClean="0"/>
+          </a:p>
+          <a:p>
+            <a:r>
+              <a:rPr lang="en-US" altLang="ko-KR" sz="2400" b="1" dirty="0"/>
+              <a:t>Language Models are Unsupervised Multitask </a:t>
+            </a:r>
+            <a:r>
+              <a:rPr lang="en-US" altLang="ko-KR" sz="2400" b="1" dirty="0" smtClean="0"/>
+              <a:t>Learners</a:t>
+            </a:r>
+          </a:p>
+          <a:p>
+            <a:pPr marL="0" indent="0">
+              <a:buNone/>
+            </a:pPr>
+            <a:r>
+              <a:rPr lang="en-US" altLang="ko-KR" sz="2400" b="1" dirty="0"/>
+              <a:t> </a:t>
+            </a:r>
+            <a:r>
+              <a:rPr lang="en-US" altLang="ko-KR" sz="2400" b="1" dirty="0" smtClean="0"/>
+              <a:t> </a:t>
+            </a:r>
+            <a:r>
+              <a:rPr lang="en-US" altLang="ko-KR" sz="1800" dirty="0"/>
+              <a:t>Alec </a:t>
+            </a:r>
+            <a:r>
+              <a:rPr lang="en-US" altLang="ko-KR" sz="1800" dirty="0" smtClean="0"/>
+              <a:t>Radford/ 14 </a:t>
+            </a:r>
+            <a:r>
+              <a:rPr lang="en-US" altLang="ko-KR" sz="1800" dirty="0"/>
+              <a:t>FEB </a:t>
+            </a:r>
+            <a:r>
+              <a:rPr lang="en-US" altLang="ko-KR" sz="1800" dirty="0" smtClean="0"/>
+              <a:t>2019</a:t>
+            </a:r>
+            <a:endParaRPr lang="en-US" altLang="ko-KR" sz="1800" dirty="0"/>
+          </a:p>
+          <a:p>
+            <a:pPr marL="0" indent="0">
+              <a:buNone/>
+            </a:pPr>
+            <a:endParaRPr lang="en-US" altLang="ko-KR" sz="2400" b="1" dirty="0" smtClean="0"/>
+          </a:p>
+          <a:p>
+            <a:pPr marL="0" indent="0">
+              <a:buNone/>
+            </a:pPr>
+            <a:r>
+              <a:rPr lang="en-US" altLang="ko-KR" sz="2400" dirty="0"/>
+              <a:t> </a:t>
+            </a:r>
+            <a:r>
+              <a:rPr lang="en-US" altLang="ko-KR" sz="2400" dirty="0" smtClean="0"/>
+              <a:t> </a:t>
+            </a:r>
+            <a:endParaRPr lang="en-US" altLang="ko-KR" sz="2400" dirty="0"/>
+          </a:p>
+          <a:p>
+            <a:endParaRPr lang="en-US" altLang="ko-KR" b="1" dirty="0" smtClean="0"/>
+          </a:p>
+          <a:p>
+            <a:endParaRPr lang="en-US" altLang="ko-KR" b="1" dirty="0"/>
+          </a:p>
+        </p:txBody>
+      </p:sp>
+    </p:spTree>
+    <p:extLst>
+      <p:ext uri="{BB962C8B-B14F-4D97-AF65-F5344CB8AC3E}">
+        <p14:creationId xmlns:p14="http://schemas.microsoft.com/office/powerpoint/2010/main" val="117343527"/>
+      </p:ext>
+    </p:extLst>
+  </p:cSld>
+  <p:clrMapOvr>
+    <a:masterClrMapping/>
+  </p:clrMapOvr>
+  <p:timing>
+    <p:tnLst>
+      <p:par>
+        <p:cTn id="1" dur="indefinite" restart="never" nodeType="tmRoot"/>
+      </p:par>
+    </p:tnLst>
+  </p:timing>
+</p:sld>
+</file>
+
+<file path=ppt/slides/slide25.xml><?xml version="1.0" encoding="utf-8"?>
+<p:sld xmlns:a="http://schemas.openxmlformats.org/drawingml/2006/main" xmlns:r="http://schemas.openxmlformats.org/officeDocument/2006/relationships" xmlns:p="http://schemas.openxmlformats.org/presentationml/2006/main">
+  <p:cSld>
+    <p:spTree>
+      <p:nvGrpSpPr>
+        <p:cNvPr id="1" name=""/>
+        <p:cNvGrpSpPr/>
+        <p:nvPr/>
+      </p:nvGrpSpPr>
+      <p:grpSpPr>
+        <a:xfrm>
+          <a:off x="0" y="0"/>
+          <a:ext cx="0" cy="0"/>
+          <a:chOff x="0" y="0"/>
+          <a:chExt cx="0" cy="0"/>
+        </a:xfrm>
+      </p:grpSpPr>
+      <p:sp>
+        <p:nvSpPr>
+          <p:cNvPr id="9" name="슬라이드 번호 개체 틀 9"/>
+          <p:cNvSpPr txBox="1">
+            <a:spLocks/>
+          </p:cNvSpPr>
+          <p:nvPr/>
+        </p:nvSpPr>
+        <p:spPr>
+          <a:xfrm>
+            <a:off x="9220200" y="173679"/>
+            <a:ext cx="2743200" cy="365125"/>
+          </a:xfrm>
+          <a:prstGeom prst="rect">
+            <a:avLst/>
+          </a:prstGeom>
+        </p:spPr>
+        <p:txBody>
+          <a:bodyPr vert="horz" lIns="91440" tIns="45720" rIns="91440" bIns="45720" rtlCol="0" anchor="ctr"/>
+          <a:lstStyle>
+            <a:defPPr>
+              <a:defRPr lang="ko-KR"/>
+            </a:defPPr>
+            <a:lvl1pPr marL="0" algn="r" defTabSz="914400" rtl="0" eaLnBrk="1" latinLnBrk="1" hangingPunct="1">
+              <a:defRPr sz="1200" kern="1200">
+                <a:solidFill>
+                  <a:schemeClr val="tx1">
+                    <a:tint val="75000"/>
+                  </a:schemeClr>
+                </a:solidFill>
+                <a:latin typeface="+mn-lt"/>
+                <a:ea typeface="+mn-ea"/>
+                <a:cs typeface="+mn-cs"/>
+              </a:defRPr>
+            </a:lvl1pPr>
+            <a:lvl2pPr marL="457200" algn="l" defTabSz="914400" rtl="0" eaLnBrk="1" latinLnBrk="1" hangingPunct="1">
+              <a:defRPr sz="1800" kern="1200">
+                <a:solidFill>
+                  <a:schemeClr val="tx1"/>
+                </a:solidFill>
+                <a:latin typeface="+mn-lt"/>
+                <a:ea typeface="+mn-ea"/>
+                <a:cs typeface="+mn-cs"/>
+              </a:defRPr>
+            </a:lvl2pPr>
+            <a:lvl3pPr marL="914400" algn="l" defTabSz="914400" rtl="0" eaLnBrk="1" latinLnBrk="1" hangingPunct="1">
+              <a:defRPr sz="1800" kern="1200">
+                <a:solidFill>
+                  <a:schemeClr val="tx1"/>
+                </a:solidFill>
+                <a:latin typeface="+mn-lt"/>
+                <a:ea typeface="+mn-ea"/>
+                <a:cs typeface="+mn-cs"/>
+              </a:defRPr>
+            </a:lvl3pPr>
+            <a:lvl4pPr marL="1371600" algn="l" defTabSz="914400" rtl="0" eaLnBrk="1" latinLnBrk="1" hangingPunct="1">
+              <a:defRPr sz="1800" kern="1200">
+                <a:solidFill>
+                  <a:schemeClr val="tx1"/>
+                </a:solidFill>
+                <a:latin typeface="+mn-lt"/>
+                <a:ea typeface="+mn-ea"/>
+                <a:cs typeface="+mn-cs"/>
+              </a:defRPr>
+            </a:lvl4pPr>
+            <a:lvl5pPr marL="1828800" algn="l" defTabSz="914400" rtl="0" eaLnBrk="1" latinLnBrk="1" hangingPunct="1">
+              <a:defRPr sz="1800" kern="1200">
+                <a:solidFill>
+                  <a:schemeClr val="tx1"/>
+                </a:solidFill>
+                <a:latin typeface="+mn-lt"/>
+                <a:ea typeface="+mn-ea"/>
+                <a:cs typeface="+mn-cs"/>
+              </a:defRPr>
+            </a:lvl5pPr>
+            <a:lvl6pPr marL="2286000" algn="l" defTabSz="914400" rtl="0" eaLnBrk="1" latinLnBrk="1" hangingPunct="1">
+              <a:defRPr sz="1800" kern="1200">
+                <a:solidFill>
+                  <a:schemeClr val="tx1"/>
+                </a:solidFill>
+                <a:latin typeface="+mn-lt"/>
+                <a:ea typeface="+mn-ea"/>
+                <a:cs typeface="+mn-cs"/>
+              </a:defRPr>
+            </a:lvl6pPr>
+            <a:lvl7pPr marL="2743200" algn="l" defTabSz="914400" rtl="0" eaLnBrk="1" latinLnBrk="1" hangingPunct="1">
+              <a:defRPr sz="1800" kern="1200">
+                <a:solidFill>
+                  <a:schemeClr val="tx1"/>
+                </a:solidFill>
+                <a:latin typeface="+mn-lt"/>
+                <a:ea typeface="+mn-ea"/>
+                <a:cs typeface="+mn-cs"/>
+              </a:defRPr>
+            </a:lvl7pPr>
+            <a:lvl8pPr marL="3200400" algn="l" defTabSz="914400" rtl="0" eaLnBrk="1" latinLnBrk="1" hangingPunct="1">
+              <a:defRPr sz="1800" kern="1200">
+                <a:solidFill>
+                  <a:schemeClr val="tx1"/>
+                </a:solidFill>
+                <a:latin typeface="+mn-lt"/>
+                <a:ea typeface="+mn-ea"/>
+                <a:cs typeface="+mn-cs"/>
+              </a:defRPr>
+            </a:lvl8pPr>
+            <a:lvl9pPr marL="3657600" algn="l" defTabSz="914400" rtl="0" eaLnBrk="1" latinLnBrk="1" hangingPunct="1">
+              <a:defRPr sz="1800" kern="1200">
+                <a:solidFill>
+                  <a:schemeClr val="tx1"/>
+                </a:solidFill>
+                <a:latin typeface="+mn-lt"/>
+                <a:ea typeface="+mn-ea"/>
+                <a:cs typeface="+mn-cs"/>
+              </a:defRPr>
+            </a:lvl9pPr>
+          </a:lstStyle>
+          <a:p>
+            <a:r>
+              <a:rPr lang="en-US" altLang="ko-KR" sz="2000" b="1" dirty="0" smtClean="0"/>
+              <a:t>25</a:t>
             </a:r>
             <a:endParaRPr lang="ko-KR" altLang="en-US" sz="2000" b="1" dirty="0"/>
           </a:p>
